--- a/Templates/crédit suisse.pptx
+++ b/Templates/crédit suisse.pptx
@@ -297,7 +297,7 @@
           <a:p>
             <a:fld id="{515CCE07-1711-4DC7-A7D8-7ED312C82FB8}" type="datetimeFigureOut">
               <a:rPr lang="fr-FR" smtClean="0"/>
-              <a:t>23/06/2022</a:t>
+              <a:t>28/06/2022</a:t>
             </a:fld>
             <a:endParaRPr lang="fr-FR"/>
           </a:p>
@@ -462,7 +462,7 @@
           <a:p>
             <a:fld id="{014ABEAC-8B63-4BD1-9569-A14EB8752A94}" type="datetimeFigureOut">
               <a:rPr lang="fr-FR" smtClean="0"/>
-              <a:t>23/06/2022</a:t>
+              <a:t>28/06/2022</a:t>
             </a:fld>
             <a:endParaRPr lang="fr-FR"/>
           </a:p>
@@ -23490,7 +23490,31 @@
                 <a:ea typeface="+mn-ea"/>
                 <a:cs typeface="+mn-cs"/>
               </a:rPr>
-              <a:t>En acceptant de limiter leurs gains à &lt;CPN&gt; par &lt;F0&gt; écoulé (soit un Taux de Rendement Annuel net maximum de &lt;TRA.F.A&gt;), les investisseurs recevront en contrepartie l’intégralité du capital initial si &lt;SJR1&gt; ne baisse pas de plus de &lt;</a:t>
+              <a:t>En acceptant de limiter leurs gains à &lt;CPN&gt; par &lt;F0&gt; écoulé (soit un Taux de Rendement Annuel net maximum de &lt;TRA.</a:t>
+            </a:r>
+            <a:r>
+              <a:rPr lang="fr-FR" sz="800" dirty="0">
+                <a:solidFill>
+                  <a:schemeClr val="tx1"/>
+                </a:solidFill>
+              </a:rPr>
+              <a:t>MAX.P</a:t>
+            </a:r>
+            <a:r>
+              <a:rPr kumimoji="0" lang="fr-FR" sz="800" b="0" i="0" u="none" strike="noStrike" kern="1200" cap="none" spc="0" normalizeH="0" baseline="0" noProof="0" dirty="0">
+                <a:ln>
+                  <a:noFill/>
+                </a:ln>
+                <a:solidFill>
+                  <a:schemeClr val="tx1"/>
+                </a:solidFill>
+                <a:effectLst/>
+                <a:uLnTx/>
+                <a:uFillTx/>
+                <a:ea typeface="+mn-ea"/>
+                <a:cs typeface="+mn-cs"/>
+              </a:rPr>
+              <a:t>&gt;), les investisseurs recevront en contrepartie l’intégralité du capital initial si &lt;SJR1&gt; ne baisse pas de plus de &lt;</a:t>
             </a:r>
             <a:r>
               <a:rPr lang="fr-FR" sz="800" dirty="0">
@@ -29818,18 +29842,15 @@
             </a:pPr>
             <a:r>
               <a:rPr lang="fr-FR" sz="800" dirty="0"/>
-              <a:t>(Soit un Taux de Rendement Annuel net inférieur ou égal à &lt;TRA.MED.P</a:t>
+              <a:t>(Soit un Taux de Rendement Annuel net inférieur ou égal à &lt;TRA.MED.P&gt;</a:t>
             </a:r>
             <a:r>
               <a:rPr lang="fr-FR" sz="800" baseline="30000" dirty="0">
                 <a:latin typeface="+mn-lt"/>
               </a:rPr>
-              <a:t>(2)</a:t>
-            </a:r>
-            <a:r>
-              <a:rPr lang="fr-FR" sz="800" dirty="0"/>
-              <a:t>&gt;</a:t>
-            </a:r>
+              <a:t> (2)</a:t>
+            </a:r>
+            <a:endParaRPr lang="fr-FR" sz="800" dirty="0"/>
           </a:p>
           <a:p>
             <a:pPr marL="0" indent="0" algn="ctr">
@@ -31796,28 +31817,12 @@
               <a:buChar char="•"/>
             </a:pPr>
             <a:r>
-              <a:rPr lang="fr-FR" sz="800" dirty="0">
+              <a:rPr lang="fr-FR" sz="800">
                 <a:solidFill>
                   <a:srgbClr val="000000"/>
                 </a:solidFill>
               </a:rPr>
-              <a:t>&lt;</a:t>
-            </a:r>
-            <a:r>
-              <a:rPr lang="fr-FR" sz="800" dirty="0" err="1">
-                <a:solidFill>
-                  <a:srgbClr val="000000"/>
-                </a:solidFill>
-              </a:rPr>
-              <a:t>inconv</a:t>
-            </a:r>
-            <a:r>
-              <a:rPr lang="fr-FR" sz="800" dirty="0">
-                <a:solidFill>
-                  <a:srgbClr val="000000"/>
-                </a:solidFill>
-              </a:rPr>
-              <a:t>&gt;.</a:t>
+              <a:t>&lt;inconvénient&gt;.</a:t>
             </a:r>
             <a:endParaRPr lang="fr-FR" sz="800" dirty="0">
               <a:solidFill>
@@ -35722,15 +35727,6 @@
 </file>
 
 <file path=customXml/item1.xml><?xml version="1.0" encoding="utf-8"?>
-<?mso-contentType ?>
-<FormTemplates xmlns="http://schemas.microsoft.com/sharepoint/v3/contenttype/forms">
-  <Display>DocumentLibraryForm</Display>
-  <Edit>DocumentLibraryForm</Edit>
-  <New>DocumentLibraryForm</New>
-</FormTemplates>
-</file>
-
-<file path=customXml/item2.xml><?xml version="1.0" encoding="utf-8"?>
 <p:properties xmlns:p="http://schemas.microsoft.com/office/2006/metadata/properties" xmlns:xsi="http://www.w3.org/2001/XMLSchema-instance" xmlns:pc="http://schemas.microsoft.com/office/infopath/2007/PartnerControls">
   <documentManagement>
     <_Flow_SignoffStatus xmlns="ef624bc2-1644-4d69-8362-5c28ca496374" xsi:nil="true"/>
@@ -35740,6 +35736,15 @@
     </lcf76f155ced4ddcb4097134ff3c332f>
   </documentManagement>
 </p:properties>
+</file>
+
+<file path=customXml/item2.xml><?xml version="1.0" encoding="utf-8"?>
+<?mso-contentType ?>
+<FormTemplates xmlns="http://schemas.microsoft.com/sharepoint/v3/contenttype/forms">
+  <Display>DocumentLibraryForm</Display>
+  <Edit>DocumentLibraryForm</Edit>
+  <New>DocumentLibraryForm</New>
+</FormTemplates>
 </file>
 
 <file path=customXml/item3.xml><?xml version="1.0" encoding="utf-8"?>
@@ -35992,14 +35997,6 @@
 </file>
 
 <file path=customXml/itemProps1.xml><?xml version="1.0" encoding="utf-8"?>
-<ds:datastoreItem xmlns:ds="http://schemas.openxmlformats.org/officeDocument/2006/customXml" ds:itemID="{B00FC41E-FBDE-42E2-B58A-20EBD240A376}">
-  <ds:schemaRefs>
-    <ds:schemaRef ds:uri="http://schemas.microsoft.com/sharepoint/v3/contenttype/forms"/>
-  </ds:schemaRefs>
-</ds:datastoreItem>
-</file>
-
-<file path=customXml/itemProps2.xml><?xml version="1.0" encoding="utf-8"?>
 <ds:datastoreItem xmlns:ds="http://schemas.openxmlformats.org/officeDocument/2006/customXml" ds:itemID="{25DE574B-2CD2-4078-9BEA-2A14717D9698}">
   <ds:schemaRefs>
     <ds:schemaRef ds:uri="514a554b-82b0-4359-b247-fc84018a95f0"/>
@@ -36012,6 +36009,14 @@
     <ds:schemaRef ds:uri="http://schemas.microsoft.com/office/infopath/2007/PartnerControls"/>
     <ds:schemaRef ds:uri="http://schemas.openxmlformats.org/package/2006/metadata/core-properties"/>
     <ds:schemaRef ds:uri="http://www.w3.org/XML/1998/namespace"/>
+  </ds:schemaRefs>
+</ds:datastoreItem>
+</file>
+
+<file path=customXml/itemProps2.xml><?xml version="1.0" encoding="utf-8"?>
+<ds:datastoreItem xmlns:ds="http://schemas.openxmlformats.org/officeDocument/2006/customXml" ds:itemID="{B00FC41E-FBDE-42E2-B58A-20EBD240A376}">
+  <ds:schemaRefs>
+    <ds:schemaRef ds:uri="http://schemas.microsoft.com/sharepoint/v3/contenttype/forms"/>
   </ds:schemaRefs>
 </ds:datastoreItem>
 </file>

--- a/Templates/crédit suisse.pptx
+++ b/Templates/crédit suisse.pptx
@@ -297,7 +297,7 @@
           <a:p>
             <a:fld id="{515CCE07-1711-4DC7-A7D8-7ED312C82FB8}" type="datetimeFigureOut">
               <a:rPr lang="fr-FR" smtClean="0"/>
-              <a:t>28/06/2022</a:t>
+              <a:t>30/06/2022</a:t>
             </a:fld>
             <a:endParaRPr lang="fr-FR"/>
           </a:p>
@@ -462,7 +462,7 @@
           <a:p>
             <a:fld id="{014ABEAC-8B63-4BD1-9569-A14EB8752A94}" type="datetimeFigureOut">
               <a:rPr lang="fr-FR" smtClean="0"/>
-              <a:t>28/06/2022</a:t>
+              <a:t>30/06/2022</a:t>
             </a:fld>
             <a:endParaRPr lang="fr-FR"/>
           </a:p>
@@ -6245,7 +6245,7 @@
           <p:nvPr>
             <p:extLst>
               <p:ext uri="{D42A27DB-BD31-4B8C-83A1-F6EECF244321}">
-                <p14:modId xmlns:p14="http://schemas.microsoft.com/office/powerpoint/2010/main" val="3876603324"/>
+                <p14:modId xmlns:p14="http://schemas.microsoft.com/office/powerpoint/2010/main" val="3342582084"/>
               </p:ext>
             </p:extLst>
           </p:nvPr>
@@ -12094,10 +12094,10 @@
                           <a:ea typeface="+mn-ea"/>
                           <a:cs typeface="+mn-cs"/>
                         </a:rPr>
-                        <a:t> Suisse Bank (Europe) SA (le cas échéant). Sous réserve des conditions de marchés normales, l’écart entre les prix acheteur/vendeur ne </a:t>
+                        <a:t> Suisse Bank (Europe) SA (le cas échéant). Sous réserve des conditions de marchés normales, l’écart entre les prix acheteur/vendeur </a:t>
                       </a:r>
                       <a:r>
-                        <a:rPr lang="fr-FR" sz="800" b="0" i="0" kern="1200" noProof="0" dirty="0" err="1">
+                        <a:rPr lang="fr-FR" sz="800" b="0" i="0" kern="1200" noProof="0">
                           <a:solidFill>
                             <a:schemeClr val="tx1"/>
                           </a:solidFill>
@@ -12105,7 +12105,7 @@
                           <a:ea typeface="+mn-ea"/>
                           <a:cs typeface="+mn-cs"/>
                         </a:rPr>
-                        <a:t>dépenssera</a:t>
+                        <a:t>ne dépensera </a:t>
                       </a:r>
                       <a:r>
                         <a:rPr lang="fr-FR" sz="800" b="0" i="0" kern="1200" noProof="0" dirty="0">
@@ -12116,7 +12116,7 @@
                           <a:ea typeface="+mn-ea"/>
                           <a:cs typeface="+mn-cs"/>
                         </a:rPr>
-                        <a:t> pas 1,00%. Aucune garantie ne peut être fournie quant à l’évolution ou à la liquidité de tout marché secondaire pour les titres.</a:t>
+                        <a:t>pas 1,00%. Aucune garantie ne peut être fournie quant à l’évolution ou à la liquidité de tout marché secondaire pour les titres.</a:t>
                       </a:r>
                     </a:p>
                   </a:txBody>
@@ -35727,27 +35727,6 @@
 </file>
 
 <file path=customXml/item1.xml><?xml version="1.0" encoding="utf-8"?>
-<p:properties xmlns:p="http://schemas.microsoft.com/office/2006/metadata/properties" xmlns:xsi="http://www.w3.org/2001/XMLSchema-instance" xmlns:pc="http://schemas.microsoft.com/office/infopath/2007/PartnerControls">
-  <documentManagement>
-    <_Flow_SignoffStatus xmlns="ef624bc2-1644-4d69-8362-5c28ca496374" xsi:nil="true"/>
-    <TaxCatchAll xmlns="514a554b-82b0-4359-b247-fc84018a95f0" xsi:nil="true"/>
-    <lcf76f155ced4ddcb4097134ff3c332f xmlns="ef624bc2-1644-4d69-8362-5c28ca496374">
-      <Terms xmlns="http://schemas.microsoft.com/office/infopath/2007/PartnerControls"/>
-    </lcf76f155ced4ddcb4097134ff3c332f>
-  </documentManagement>
-</p:properties>
-</file>
-
-<file path=customXml/item2.xml><?xml version="1.0" encoding="utf-8"?>
-<?mso-contentType ?>
-<FormTemplates xmlns="http://schemas.microsoft.com/sharepoint/v3/contenttype/forms">
-  <Display>DocumentLibraryForm</Display>
-  <Edit>DocumentLibraryForm</Edit>
-  <New>DocumentLibraryForm</New>
-</FormTemplates>
-</file>
-
-<file path=customXml/item3.xml><?xml version="1.0" encoding="utf-8"?>
 <ct:contentTypeSchema xmlns:ct="http://schemas.microsoft.com/office/2006/metadata/contentType" xmlns:ma="http://schemas.microsoft.com/office/2006/metadata/properties/metaAttributes" ct:_="" ma:_="" ma:contentTypeName="Document" ma:contentTypeID="0x0101005DDE610BC516E448BB8152259F39635A" ma:contentTypeVersion="17" ma:contentTypeDescription="Crée un document." ma:contentTypeScope="" ma:versionID="bfb75e103009df80b8e5001438c41194">
   <xsd:schema xmlns:xsd="http://www.w3.org/2001/XMLSchema" xmlns:xs="http://www.w3.org/2001/XMLSchema" xmlns:p="http://schemas.microsoft.com/office/2006/metadata/properties" xmlns:ns2="ef624bc2-1644-4d69-8362-5c28ca496374" xmlns:ns3="514a554b-82b0-4359-b247-fc84018a95f0" targetNamespace="http://schemas.microsoft.com/office/2006/metadata/properties" ma:root="true" ma:fieldsID="2ae3df86d13efbb4a35042af2564d386" ns2:_="" ns3:_="">
     <xsd:import namespace="ef624bc2-1644-4d69-8362-5c28ca496374"/>
@@ -35996,32 +35975,28 @@
 </ct:contentTypeSchema>
 </file>
 
-<file path=customXml/itemProps1.xml><?xml version="1.0" encoding="utf-8"?>
-<ds:datastoreItem xmlns:ds="http://schemas.openxmlformats.org/officeDocument/2006/customXml" ds:itemID="{25DE574B-2CD2-4078-9BEA-2A14717D9698}">
-  <ds:schemaRefs>
-    <ds:schemaRef ds:uri="514a554b-82b0-4359-b247-fc84018a95f0"/>
-    <ds:schemaRef ds:uri="ef624bc2-1644-4d69-8362-5c28ca496374"/>
-    <ds:schemaRef ds:uri="http://purl.org/dc/dcmitype/"/>
-    <ds:schemaRef ds:uri="http://purl.org/dc/elements/1.1/"/>
-    <ds:schemaRef ds:uri="http://purl.org/dc/terms/"/>
-    <ds:schemaRef ds:uri="http://schemas.microsoft.com/office/2006/documentManagement/types"/>
-    <ds:schemaRef ds:uri="http://schemas.microsoft.com/office/2006/metadata/properties"/>
-    <ds:schemaRef ds:uri="http://schemas.microsoft.com/office/infopath/2007/PartnerControls"/>
-    <ds:schemaRef ds:uri="http://schemas.openxmlformats.org/package/2006/metadata/core-properties"/>
-    <ds:schemaRef ds:uri="http://www.w3.org/XML/1998/namespace"/>
-  </ds:schemaRefs>
-</ds:datastoreItem>
+<file path=customXml/item2.xml><?xml version="1.0" encoding="utf-8"?>
+<?mso-contentType ?>
+<FormTemplates xmlns="http://schemas.microsoft.com/sharepoint/v3/contenttype/forms">
+  <Display>DocumentLibraryForm</Display>
+  <Edit>DocumentLibraryForm</Edit>
+  <New>DocumentLibraryForm</New>
+</FormTemplates>
 </file>
 
-<file path=customXml/itemProps2.xml><?xml version="1.0" encoding="utf-8"?>
-<ds:datastoreItem xmlns:ds="http://schemas.openxmlformats.org/officeDocument/2006/customXml" ds:itemID="{B00FC41E-FBDE-42E2-B58A-20EBD240A376}">
-  <ds:schemaRefs>
-    <ds:schemaRef ds:uri="http://schemas.microsoft.com/sharepoint/v3/contenttype/forms"/>
-  </ds:schemaRefs>
-</ds:datastoreItem>
+<file path=customXml/item3.xml><?xml version="1.0" encoding="utf-8"?>
+<p:properties xmlns:p="http://schemas.microsoft.com/office/2006/metadata/properties" xmlns:xsi="http://www.w3.org/2001/XMLSchema-instance" xmlns:pc="http://schemas.microsoft.com/office/infopath/2007/PartnerControls">
+  <documentManagement>
+    <_Flow_SignoffStatus xmlns="ef624bc2-1644-4d69-8362-5c28ca496374" xsi:nil="true"/>
+    <TaxCatchAll xmlns="514a554b-82b0-4359-b247-fc84018a95f0" xsi:nil="true"/>
+    <lcf76f155ced4ddcb4097134ff3c332f xmlns="ef624bc2-1644-4d69-8362-5c28ca496374">
+      <Terms xmlns="http://schemas.microsoft.com/office/infopath/2007/PartnerControls"/>
+    </lcf76f155ced4ddcb4097134ff3c332f>
+  </documentManagement>
+</p:properties>
 </file>
 
-<file path=customXml/itemProps3.xml><?xml version="1.0" encoding="utf-8"?>
+<file path=customXml/itemProps1.xml><?xml version="1.0" encoding="utf-8"?>
 <ds:datastoreItem xmlns:ds="http://schemas.openxmlformats.org/officeDocument/2006/customXml" ds:itemID="{9D1B024F-C944-441B-9844-68C839998358}">
   <ds:schemaRefs>
     <ds:schemaRef ds:uri="http://schemas.microsoft.com/office/2006/metadata/contentType"/>
@@ -36038,4 +36013,29 @@
     <ds:schemaRef ds:uri="http://schemas.microsoft.com/internal/obd"/>
   </ds:schemaRefs>
 </ds:datastoreItem>
+</file>
+
+<file path=customXml/itemProps2.xml><?xml version="1.0" encoding="utf-8"?>
+<ds:datastoreItem xmlns:ds="http://schemas.openxmlformats.org/officeDocument/2006/customXml" ds:itemID="{B00FC41E-FBDE-42E2-B58A-20EBD240A376}">
+  <ds:schemaRefs>
+    <ds:schemaRef ds:uri="http://schemas.microsoft.com/sharepoint/v3/contenttype/forms"/>
+  </ds:schemaRefs>
+</ds:datastoreItem>
+</file>
+
+<file path=customXml/itemProps3.xml><?xml version="1.0" encoding="utf-8"?>
+<ds:datastoreItem xmlns:ds="http://schemas.openxmlformats.org/officeDocument/2006/customXml" ds:itemID="{25DE574B-2CD2-4078-9BEA-2A14717D9698}">
+  <ds:schemaRefs>
+    <ds:schemaRef ds:uri="514a554b-82b0-4359-b247-fc84018a95f0"/>
+    <ds:schemaRef ds:uri="ef624bc2-1644-4d69-8362-5c28ca496374"/>
+    <ds:schemaRef ds:uri="http://purl.org/dc/dcmitype/"/>
+    <ds:schemaRef ds:uri="http://purl.org/dc/elements/1.1/"/>
+    <ds:schemaRef ds:uri="http://purl.org/dc/terms/"/>
+    <ds:schemaRef ds:uri="http://schemas.microsoft.com/office/2006/documentManagement/types"/>
+    <ds:schemaRef ds:uri="http://schemas.microsoft.com/office/2006/metadata/properties"/>
+    <ds:schemaRef ds:uri="http://schemas.microsoft.com/office/infopath/2007/PartnerControls"/>
+    <ds:schemaRef ds:uri="http://schemas.openxmlformats.org/package/2006/metadata/core-properties"/>
+    <ds:schemaRef ds:uri="http://www.w3.org/XML/1998/namespace"/>
+  </ds:schemaRefs>
+</ds:datastoreItem>
 </file>
--- a/Templates/crédit suisse.pptx
+++ b/Templates/crédit suisse.pptx
@@ -297,7 +297,7 @@
           <a:p>
             <a:fld id="{515CCE07-1711-4DC7-A7D8-7ED312C82FB8}" type="datetimeFigureOut">
               <a:rPr lang="fr-FR" smtClean="0"/>
-              <a:t>30/06/2022</a:t>
+              <a:t>11/07/2022</a:t>
             </a:fld>
             <a:endParaRPr lang="fr-FR"/>
           </a:p>
@@ -462,7 +462,7 @@
           <a:p>
             <a:fld id="{014ABEAC-8B63-4BD1-9569-A14EB8752A94}" type="datetimeFigureOut">
               <a:rPr lang="fr-FR" smtClean="0"/>
-              <a:t>30/06/2022</a:t>
+              <a:t>11/07/2022</a:t>
             </a:fld>
             <a:endParaRPr lang="fr-FR"/>
           </a:p>
@@ -2064,15 +2064,7 @@
             </a:r>
             <a:r>
               <a:rPr lang="fr-FR" sz="800" b="1" dirty="0"/>
-              <a:t>&lt;DIC&gt;</a:t>
-            </a:r>
-            <a:r>
-              <a:rPr lang="fr-FR" sz="800" b="1" dirty="0">
-                <a:solidFill>
-                  <a:srgbClr val="B9A049"/>
-                </a:solidFill>
-              </a:rPr>
-              <a:t> </a:t>
+              <a:t>&lt;</a:t>
             </a:r>
             <a:r>
               <a:rPr lang="fr-FR" sz="800" cap="none" dirty="0">
@@ -2080,7 +2072,7 @@
                   <a:schemeClr val="tx2"/>
                 </a:solidFill>
               </a:rPr>
-              <a:t>(hors remboursement anticipé automatique). </a:t>
+              <a:t>DIC&gt; (hors remboursement anticipé automatique). </a:t>
             </a:r>
           </a:p>
           <a:p>
@@ -35976,15 +35968,6 @@
 </file>
 
 <file path=customXml/item2.xml><?xml version="1.0" encoding="utf-8"?>
-<?mso-contentType ?>
-<FormTemplates xmlns="http://schemas.microsoft.com/sharepoint/v3/contenttype/forms">
-  <Display>DocumentLibraryForm</Display>
-  <Edit>DocumentLibraryForm</Edit>
-  <New>DocumentLibraryForm</New>
-</FormTemplates>
-</file>
-
-<file path=customXml/item3.xml><?xml version="1.0" encoding="utf-8"?>
 <p:properties xmlns:p="http://schemas.microsoft.com/office/2006/metadata/properties" xmlns:xsi="http://www.w3.org/2001/XMLSchema-instance" xmlns:pc="http://schemas.microsoft.com/office/infopath/2007/PartnerControls">
   <documentManagement>
     <_Flow_SignoffStatus xmlns="ef624bc2-1644-4d69-8362-5c28ca496374" xsi:nil="true"/>
@@ -35994,6 +35977,15 @@
     </lcf76f155ced4ddcb4097134ff3c332f>
   </documentManagement>
 </p:properties>
+</file>
+
+<file path=customXml/item3.xml><?xml version="1.0" encoding="utf-8"?>
+<?mso-contentType ?>
+<FormTemplates xmlns="http://schemas.microsoft.com/sharepoint/v3/contenttype/forms">
+  <Display>DocumentLibraryForm</Display>
+  <Edit>DocumentLibraryForm</Edit>
+  <New>DocumentLibraryForm</New>
+</FormTemplates>
 </file>
 
 <file path=customXml/itemProps1.xml><?xml version="1.0" encoding="utf-8"?>
@@ -36016,14 +36008,6 @@
 </file>
 
 <file path=customXml/itemProps2.xml><?xml version="1.0" encoding="utf-8"?>
-<ds:datastoreItem xmlns:ds="http://schemas.openxmlformats.org/officeDocument/2006/customXml" ds:itemID="{B00FC41E-FBDE-42E2-B58A-20EBD240A376}">
-  <ds:schemaRefs>
-    <ds:schemaRef ds:uri="http://schemas.microsoft.com/sharepoint/v3/contenttype/forms"/>
-  </ds:schemaRefs>
-</ds:datastoreItem>
-</file>
-
-<file path=customXml/itemProps3.xml><?xml version="1.0" encoding="utf-8"?>
 <ds:datastoreItem xmlns:ds="http://schemas.openxmlformats.org/officeDocument/2006/customXml" ds:itemID="{25DE574B-2CD2-4078-9BEA-2A14717D9698}">
   <ds:schemaRefs>
     <ds:schemaRef ds:uri="514a554b-82b0-4359-b247-fc84018a95f0"/>
@@ -36038,4 +36022,12 @@
     <ds:schemaRef ds:uri="http://www.w3.org/XML/1998/namespace"/>
   </ds:schemaRefs>
 </ds:datastoreItem>
+</file>
+
+<file path=customXml/itemProps3.xml><?xml version="1.0" encoding="utf-8"?>
+<ds:datastoreItem xmlns:ds="http://schemas.openxmlformats.org/officeDocument/2006/customXml" ds:itemID="{B00FC41E-FBDE-42E2-B58A-20EBD240A376}">
+  <ds:schemaRefs>
+    <ds:schemaRef ds:uri="http://schemas.microsoft.com/sharepoint/v3/contenttype/forms"/>
+  </ds:schemaRefs>
+</ds:datastoreItem>
 </file>
--- a/Templates/crédit suisse.pptx
+++ b/Templates/crédit suisse.pptx
@@ -230,7 +230,7 @@
           <a:p>
             <a:fld id="{515CCE07-1711-4DC7-A7D8-7ED312C82FB8}" type="datetimeFigureOut">
               <a:rPr lang="fr-FR" smtClean="0"/>
-              <a:t>15/07/2022</a:t>
+              <a:t>19/07/2022</a:t>
             </a:fld>
             <a:endParaRPr lang="fr-FR"/>
           </a:p>
@@ -395,7 +395,7 @@
           <a:p>
             <a:fld id="{014ABEAC-8B63-4BD1-9569-A14EB8752A94}" type="datetimeFigureOut">
               <a:rPr lang="fr-FR" smtClean="0"/>
-              <a:t>15/07/2022</a:t>
+              <a:t>19/07/2022</a:t>
             </a:fld>
             <a:endParaRPr lang="fr-FR"/>
           </a:p>
@@ -6177,7 +6177,7 @@
           <p:nvPr>
             <p:extLst>
               <p:ext uri="{D42A27DB-BD31-4B8C-83A1-F6EECF244321}">
-                <p14:modId xmlns:p14="http://schemas.microsoft.com/office/powerpoint/2010/main" val="3614688442"/>
+                <p14:modId xmlns:p14="http://schemas.microsoft.com/office/powerpoint/2010/main" val="862234049"/>
               </p:ext>
             </p:extLst>
           </p:nvPr>
@@ -9617,7 +9617,7 @@
                         <a:defRPr/>
                       </a:pPr>
                       <a:r>
-                        <a:rPr lang="fr-FR" sz="700" b="0" i="0" kern="1200" dirty="0">
+                        <a:rPr lang="fr-FR" sz="700" b="0" i="0" kern="1200">
                           <a:solidFill>
                             <a:schemeClr val="tx1"/>
                           </a:solidFill>
@@ -9625,21 +9625,10 @@
                           <a:ea typeface="+mn-ea"/>
                           <a:cs typeface="+mn-cs"/>
                         </a:rPr>
-                        <a:t>&lt;</a:t>
+                        <a:t>&lt;Datesremb3</a:t>
                       </a:r>
                       <a:r>
-                        <a:rPr lang="fr-FR" sz="700" b="0" i="0" kern="1200" baseline="0" dirty="0" err="1">
-                          <a:solidFill>
-                            <a:schemeClr val="tx1"/>
-                          </a:solidFill>
-                          <a:latin typeface="+mn-lt"/>
-                          <a:ea typeface="+mn-ea"/>
-                          <a:cs typeface="+mn-cs"/>
-                        </a:rPr>
-                        <a:t>dates_paiement_autocall</a:t>
-                      </a:r>
-                      <a:r>
-                        <a:rPr lang="fr-FR" sz="700" b="0" i="0" kern="1200" baseline="0" dirty="0">
+                        <a:rPr lang="fr-FR" sz="700" b="0" i="0" kern="1200" baseline="0">
                           <a:solidFill>
                             <a:schemeClr val="tx1"/>
                           </a:solidFill>
@@ -9649,6 +9638,14 @@
                         </a:rPr>
                         <a:t>&gt;</a:t>
                       </a:r>
+                      <a:endParaRPr lang="fr-FR" sz="700" b="0" i="0" kern="1200" baseline="0" dirty="0">
+                        <a:solidFill>
+                          <a:schemeClr val="tx1"/>
+                        </a:solidFill>
+                        <a:latin typeface="+mn-lt"/>
+                        <a:ea typeface="+mn-ea"/>
+                        <a:cs typeface="+mn-cs"/>
+                      </a:endParaRPr>
                     </a:p>
                   </a:txBody>
                   <a:tcPr marL="72000" marR="72000" marT="46800" marB="46800" anchor="ctr" horzOverflow="overflow">
@@ -12756,7 +12753,7 @@
           <p:nvPr>
             <p:extLst>
               <p:ext uri="{D42A27DB-BD31-4B8C-83A1-F6EECF244321}">
-                <p14:modId xmlns:p14="http://schemas.microsoft.com/office/powerpoint/2010/main" val="2807766146"/>
+                <p14:modId xmlns:p14="http://schemas.microsoft.com/office/powerpoint/2010/main" val="2743074431"/>
               </p:ext>
             </p:extLst>
           </p:nvPr>
@@ -16360,29 +16357,7 @@
                           <a:ea typeface="+mn-ea"/>
                           <a:cs typeface="+mn-cs"/>
                         </a:rPr>
-                        <a:t>&lt;</a:t>
-                      </a:r>
-                      <a:r>
-                        <a:rPr lang="fr-FR" sz="700" b="0" i="0" kern="1200" dirty="0" err="1">
-                          <a:solidFill>
-                            <a:schemeClr val="tx1"/>
-                          </a:solidFill>
-                          <a:latin typeface="+mn-lt"/>
-                          <a:ea typeface="+mn-ea"/>
-                          <a:cs typeface="+mn-cs"/>
-                        </a:rPr>
-                        <a:t>dates_paiement_phoenix</a:t>
-                      </a:r>
-                      <a:r>
-                        <a:rPr lang="fr-FR" sz="700" b="0" i="0" kern="1200" dirty="0">
-                          <a:solidFill>
-                            <a:schemeClr val="tx1"/>
-                          </a:solidFill>
-                          <a:latin typeface="+mn-lt"/>
-                          <a:ea typeface="+mn-ea"/>
-                          <a:cs typeface="+mn-cs"/>
-                        </a:rPr>
-                        <a:t>&gt;</a:t>
+                        <a:t>&lt;Datespaiement1&gt;</a:t>
                       </a:r>
                     </a:p>
                   </a:txBody>
@@ -35318,15 +35293,6 @@
 </file>
 
 <file path=customXml/item1.xml><?xml version="1.0" encoding="utf-8"?>
-<?mso-contentType ?>
-<FormTemplates xmlns="http://schemas.microsoft.com/sharepoint/v3/contenttype/forms">
-  <Display>DocumentLibraryForm</Display>
-  <Edit>DocumentLibraryForm</Edit>
-  <New>DocumentLibraryForm</New>
-</FormTemplates>
-</file>
-
-<file path=customXml/item2.xml><?xml version="1.0" encoding="utf-8"?>
 <ct:contentTypeSchema xmlns:ct="http://schemas.microsoft.com/office/2006/metadata/contentType" xmlns:ma="http://schemas.microsoft.com/office/2006/metadata/properties/metaAttributes" ct:_="" ma:_="" ma:contentTypeName="Document" ma:contentTypeID="0x0101005DDE610BC516E448BB8152259F39635A" ma:contentTypeVersion="17" ma:contentTypeDescription="Crée un document." ma:contentTypeScope="" ma:versionID="bfb75e103009df80b8e5001438c41194">
   <xsd:schema xmlns:xsd="http://www.w3.org/2001/XMLSchema" xmlns:xs="http://www.w3.org/2001/XMLSchema" xmlns:p="http://schemas.microsoft.com/office/2006/metadata/properties" xmlns:ns2="ef624bc2-1644-4d69-8362-5c28ca496374" xmlns:ns3="514a554b-82b0-4359-b247-fc84018a95f0" targetNamespace="http://schemas.microsoft.com/office/2006/metadata/properties" ma:root="true" ma:fieldsID="2ae3df86d13efbb4a35042af2564d386" ns2:_="" ns3:_="">
     <xsd:import namespace="ef624bc2-1644-4d69-8362-5c28ca496374"/>
@@ -35575,6 +35541,15 @@
 </ct:contentTypeSchema>
 </file>
 
+<file path=customXml/item2.xml><?xml version="1.0" encoding="utf-8"?>
+<?mso-contentType ?>
+<FormTemplates xmlns="http://schemas.microsoft.com/sharepoint/v3/contenttype/forms">
+  <Display>DocumentLibraryForm</Display>
+  <Edit>DocumentLibraryForm</Edit>
+  <New>DocumentLibraryForm</New>
+</FormTemplates>
+</file>
+
 <file path=customXml/item3.xml><?xml version="1.0" encoding="utf-8"?>
 <p:properties xmlns:p="http://schemas.microsoft.com/office/2006/metadata/properties" xmlns:xsi="http://www.w3.org/2001/XMLSchema-instance" xmlns:pc="http://schemas.microsoft.com/office/infopath/2007/PartnerControls">
   <documentManagement>
@@ -35588,14 +35563,6 @@
 </file>
 
 <file path=customXml/itemProps1.xml><?xml version="1.0" encoding="utf-8"?>
-<ds:datastoreItem xmlns:ds="http://schemas.openxmlformats.org/officeDocument/2006/customXml" ds:itemID="{B00FC41E-FBDE-42E2-B58A-20EBD240A376}">
-  <ds:schemaRefs>
-    <ds:schemaRef ds:uri="http://schemas.microsoft.com/sharepoint/v3/contenttype/forms"/>
-  </ds:schemaRefs>
-</ds:datastoreItem>
-</file>
-
-<file path=customXml/itemProps2.xml><?xml version="1.0" encoding="utf-8"?>
 <ds:datastoreItem xmlns:ds="http://schemas.openxmlformats.org/officeDocument/2006/customXml" ds:itemID="{9D1B024F-C944-441B-9844-68C839998358}">
   <ds:schemaRefs>
     <ds:schemaRef ds:uri="http://schemas.microsoft.com/office/2006/metadata/contentType"/>
@@ -35610,6 +35577,14 @@
     <ds:schemaRef ds:uri="http://purl.org/dc/elements/1.1/"/>
     <ds:schemaRef ds:uri="http://purl.org/dc/terms/"/>
     <ds:schemaRef ds:uri="http://schemas.microsoft.com/internal/obd"/>
+  </ds:schemaRefs>
+</ds:datastoreItem>
+</file>
+
+<file path=customXml/itemProps2.xml><?xml version="1.0" encoding="utf-8"?>
+<ds:datastoreItem xmlns:ds="http://schemas.openxmlformats.org/officeDocument/2006/customXml" ds:itemID="{B00FC41E-FBDE-42E2-B58A-20EBD240A376}">
+  <ds:schemaRefs>
+    <ds:schemaRef ds:uri="http://schemas.microsoft.com/sharepoint/v3/contenttype/forms"/>
   </ds:schemaRefs>
 </ds:datastoreItem>
 </file>
